--- a/Backend Dot Net.pptx
+++ b/Backend Dot Net.pptx
@@ -164,7 +164,7 @@
   <pc:docChgLst>
     <pc:chgData name="Christian Lillini" userId="5e771d84-4440-4108-9bbb-3181e861c864" providerId="ADAL" clId="{7F5FB5AB-7000-465D-ACEF-1C188506C971}"/>
     <pc:docChg chg="undo custSel addSld delSld modSld sldOrd">
-      <pc:chgData name="Christian Lillini" userId="5e771d84-4440-4108-9bbb-3181e861c864" providerId="ADAL" clId="{7F5FB5AB-7000-465D-ACEF-1C188506C971}" dt="2022-04-29T07:49:07.514" v="1967" actId="2696"/>
+      <pc:chgData name="Christian Lillini" userId="5e771d84-4440-4108-9bbb-3181e861c864" providerId="ADAL" clId="{7F5FB5AB-7000-465D-ACEF-1C188506C971}" dt="2022-04-29T12:59:15.400" v="2028" actId="20577"/>
       <pc:docMkLst>
         <pc:docMk/>
       </pc:docMkLst>
@@ -650,13 +650,13 @@
         </pc:picChg>
       </pc:sldChg>
       <pc:sldChg chg="addSp modSp add">
-        <pc:chgData name="Christian Lillini" userId="5e771d84-4440-4108-9bbb-3181e861c864" providerId="ADAL" clId="{7F5FB5AB-7000-465D-ACEF-1C188506C971}" dt="2022-04-28T22:08:16.413" v="1966" actId="1076"/>
+        <pc:chgData name="Christian Lillini" userId="5e771d84-4440-4108-9bbb-3181e861c864" providerId="ADAL" clId="{7F5FB5AB-7000-465D-ACEF-1C188506C971}" dt="2022-04-29T12:59:15.400" v="2028" actId="20577"/>
         <pc:sldMkLst>
           <pc:docMk/>
           <pc:sldMk cId="225481714" sldId="324"/>
         </pc:sldMkLst>
         <pc:spChg chg="mod">
-          <ac:chgData name="Christian Lillini" userId="5e771d84-4440-4108-9bbb-3181e861c864" providerId="ADAL" clId="{7F5FB5AB-7000-465D-ACEF-1C188506C971}" dt="2022-04-28T22:03:57.127" v="1696" actId="20577"/>
+          <ac:chgData name="Christian Lillini" userId="5e771d84-4440-4108-9bbb-3181e861c864" providerId="ADAL" clId="{7F5FB5AB-7000-465D-ACEF-1C188506C971}" dt="2022-04-29T12:59:15.400" v="2028" actId="20577"/>
           <ac:spMkLst>
             <pc:docMk/>
             <pc:sldMk cId="225481714" sldId="324"/>
@@ -7294,7 +7294,25 @@
             </a:r>
             <a:r>
               <a:rPr lang="it-IT" sz="2800" dirty="0"/>
-              <a:t> esistente nella tabella Operatori</a:t>
+              <a:t> esistente nella tabella Operatore</a:t>
+            </a:r>
+          </a:p>
+          <a:p>
+            <a:pPr marL="914400" lvl="1" indent="-457200">
+              <a:buFont typeface="Arial" panose="020B0604020202020204" pitchFamily="34" charset="0"/>
+              <a:buChar char="•"/>
+            </a:pPr>
+            <a:r>
+              <a:rPr lang="it-IT" sz="2800" dirty="0"/>
+              <a:t>Campo </a:t>
+            </a:r>
+            <a:r>
+              <a:rPr lang="it-IT" sz="2800" dirty="0" err="1"/>
+              <a:t>persona_id</a:t>
+            </a:r>
+            <a:r>
+              <a:rPr lang="it-IT" sz="2800" dirty="0"/>
+              <a:t> esistente nella tabella Persona</a:t>
             </a:r>
           </a:p>
           <a:p>

--- a/Backend Dot Net.pptx
+++ b/Backend Dot Net.pptx
@@ -164,7 +164,7 @@
   <pc:docChgLst>
     <pc:chgData name="Christian Lillini" userId="5e771d84-4440-4108-9bbb-3181e861c864" providerId="ADAL" clId="{7F5FB5AB-7000-465D-ACEF-1C188506C971}"/>
     <pc:docChg chg="undo custSel addSld delSld modSld sldOrd">
-      <pc:chgData name="Christian Lillini" userId="5e771d84-4440-4108-9bbb-3181e861c864" providerId="ADAL" clId="{7F5FB5AB-7000-465D-ACEF-1C188506C971}" dt="2022-04-29T12:59:15.400" v="2028" actId="20577"/>
+      <pc:chgData name="Christian Lillini" userId="5e771d84-4440-4108-9bbb-3181e861c864" providerId="ADAL" clId="{7F5FB5AB-7000-465D-ACEF-1C188506C971}" dt="2022-04-29T13:26:25.211" v="2086" actId="20577"/>
       <pc:docMkLst>
         <pc:docMk/>
       </pc:docMkLst>
@@ -650,13 +650,13 @@
         </pc:picChg>
       </pc:sldChg>
       <pc:sldChg chg="addSp modSp add">
-        <pc:chgData name="Christian Lillini" userId="5e771d84-4440-4108-9bbb-3181e861c864" providerId="ADAL" clId="{7F5FB5AB-7000-465D-ACEF-1C188506C971}" dt="2022-04-29T12:59:15.400" v="2028" actId="20577"/>
+        <pc:chgData name="Christian Lillini" userId="5e771d84-4440-4108-9bbb-3181e861c864" providerId="ADAL" clId="{7F5FB5AB-7000-465D-ACEF-1C188506C971}" dt="2022-04-29T13:26:25.211" v="2086" actId="20577"/>
         <pc:sldMkLst>
           <pc:docMk/>
           <pc:sldMk cId="225481714" sldId="324"/>
         </pc:sldMkLst>
         <pc:spChg chg="mod">
-          <ac:chgData name="Christian Lillini" userId="5e771d84-4440-4108-9bbb-3181e861c864" providerId="ADAL" clId="{7F5FB5AB-7000-465D-ACEF-1C188506C971}" dt="2022-04-29T12:59:15.400" v="2028" actId="20577"/>
+          <ac:chgData name="Christian Lillini" userId="5e771d84-4440-4108-9bbb-3181e861c864" providerId="ADAL" clId="{7F5FB5AB-7000-465D-ACEF-1C188506C971}" dt="2022-04-29T13:26:25.211" v="2086" actId="20577"/>
           <ac:spMkLst>
             <pc:docMk/>
             <pc:sldMk cId="225481714" sldId="324"/>
@@ -7276,7 +7276,7 @@
             </a:r>
             <a:r>
               <a:rPr lang="it-IT" sz="2800" dirty="0"/>
-              <a:t> – Controllare nel Service</a:t>
+              <a:t> – Controllare nel Service Somministrazione</a:t>
             </a:r>
           </a:p>
           <a:p>
@@ -7313,6 +7313,16 @@
             <a:r>
               <a:rPr lang="it-IT" sz="2800" dirty="0"/>
               <a:t> esistente nella tabella Persona</a:t>
+            </a:r>
+          </a:p>
+          <a:p>
+            <a:pPr marL="457200" indent="-457200">
+              <a:buFont typeface="Arial" panose="020B0604020202020204" pitchFamily="34" charset="0"/>
+              <a:buChar char="•"/>
+            </a:pPr>
+            <a:r>
+              <a:rPr lang="it-IT" sz="3200" dirty="0"/>
+              <a:t>Controllare nel Service Operatore</a:t>
             </a:r>
           </a:p>
           <a:p>
@@ -9238,12 +9248,6 @@
 </file>
 
 <file path=customXml/item1.xml><?xml version="1.0" encoding="utf-8"?>
-<p:properties xmlns:p="http://schemas.microsoft.com/office/2006/metadata/properties" xmlns:xsi="http://www.w3.org/2001/XMLSchema-instance" xmlns:pc="http://schemas.microsoft.com/office/infopath/2007/PartnerControls">
-  <documentManagement/>
-</p:properties>
-</file>
-
-<file path=customXml/item2.xml><?xml version="1.0" encoding="utf-8"?>
 <ct:contentTypeSchema xmlns:ct="http://schemas.microsoft.com/office/2006/metadata/contentType" xmlns:ma="http://schemas.microsoft.com/office/2006/metadata/properties/metaAttributes" ct:_="" ma:_="" ma:contentTypeName="Documento" ma:contentTypeID="0x0101002B173DC9EA15414389D54DCB1F6E263F" ma:contentTypeVersion="13" ma:contentTypeDescription="Creare un nuovo documento." ma:contentTypeScope="" ma:versionID="3a3c98d3feed65edb87a0d9e69781dfb">
   <xsd:schema xmlns:xsd="http://www.w3.org/2001/XMLSchema" xmlns:xs="http://www.w3.org/2001/XMLSchema" xmlns:p="http://schemas.microsoft.com/office/2006/metadata/properties" xmlns:ns3="1c985870-0fc5-43c3-97aa-1212d5e68afd" xmlns:ns4="3e48fbfb-f65b-4106-9ff9-efa7044d2c6d" targetNamespace="http://schemas.microsoft.com/office/2006/metadata/properties" ma:root="true" ma:fieldsID="59f9a7e8e4a811663566fc257e796b7a" ns3:_="" ns4:_="">
     <xsd:import namespace="1c985870-0fc5-43c3-97aa-1212d5e68afd"/>
@@ -9466,6 +9470,12 @@
 </ct:contentTypeSchema>
 </file>
 
+<file path=customXml/item2.xml><?xml version="1.0" encoding="utf-8"?>
+<p:properties xmlns:p="http://schemas.microsoft.com/office/2006/metadata/properties" xmlns:xsi="http://www.w3.org/2001/XMLSchema-instance" xmlns:pc="http://schemas.microsoft.com/office/infopath/2007/PartnerControls">
+  <documentManagement/>
+</p:properties>
+</file>
+
 <file path=customXml/item3.xml><?xml version="1.0" encoding="utf-8"?>
 <?mso-contentType ?>
 <FormTemplates xmlns="http://schemas.microsoft.com/sharepoint/v3/contenttype/forms">
@@ -9476,23 +9486,6 @@
 </file>
 
 <file path=customXml/itemProps1.xml><?xml version="1.0" encoding="utf-8"?>
-<ds:datastoreItem xmlns:ds="http://schemas.openxmlformats.org/officeDocument/2006/customXml" ds:itemID="{DFAC9C30-232B-4F66-AD2F-CDECB2F8CB29}">
-  <ds:schemaRefs>
-    <ds:schemaRef ds:uri="http://purl.org/dc/dcmitype/"/>
-    <ds:schemaRef ds:uri="http://purl.org/dc/terms/"/>
-    <ds:schemaRef ds:uri="http://schemas.microsoft.com/office/infopath/2007/PartnerControls"/>
-    <ds:schemaRef ds:uri="http://purl.org/dc/elements/1.1/"/>
-    <ds:schemaRef ds:uri="http://schemas.microsoft.com/office/2006/metadata/properties"/>
-    <ds:schemaRef ds:uri="http://schemas.microsoft.com/office/2006/documentManagement/types"/>
-    <ds:schemaRef ds:uri="3e48fbfb-f65b-4106-9ff9-efa7044d2c6d"/>
-    <ds:schemaRef ds:uri="1c985870-0fc5-43c3-97aa-1212d5e68afd"/>
-    <ds:schemaRef ds:uri="http://schemas.openxmlformats.org/package/2006/metadata/core-properties"/>
-    <ds:schemaRef ds:uri="http://www.w3.org/XML/1998/namespace"/>
-  </ds:schemaRefs>
-</ds:datastoreItem>
-</file>
-
-<file path=customXml/itemProps2.xml><?xml version="1.0" encoding="utf-8"?>
 <ds:datastoreItem xmlns:ds="http://schemas.openxmlformats.org/officeDocument/2006/customXml" ds:itemID="{261F46FF-B854-4C80-9967-302782A4F131}">
   <ds:schemaRefs>
     <ds:schemaRef ds:uri="http://schemas.microsoft.com/office/2006/metadata/contentType"/>
@@ -9511,6 +9504,23 @@
 </ds:datastoreItem>
 </file>
 
+<file path=customXml/itemProps2.xml><?xml version="1.0" encoding="utf-8"?>
+<ds:datastoreItem xmlns:ds="http://schemas.openxmlformats.org/officeDocument/2006/customXml" ds:itemID="{DFAC9C30-232B-4F66-AD2F-CDECB2F8CB29}">
+  <ds:schemaRefs>
+    <ds:schemaRef ds:uri="http://www.w3.org/XML/1998/namespace"/>
+    <ds:schemaRef ds:uri="http://schemas.microsoft.com/office/2006/metadata/properties"/>
+    <ds:schemaRef ds:uri="1c985870-0fc5-43c3-97aa-1212d5e68afd"/>
+    <ds:schemaRef ds:uri="http://schemas.microsoft.com/office/2006/documentManagement/types"/>
+    <ds:schemaRef ds:uri="http://purl.org/dc/elements/1.1/"/>
+    <ds:schemaRef ds:uri="http://schemas.openxmlformats.org/package/2006/metadata/core-properties"/>
+    <ds:schemaRef ds:uri="http://purl.org/dc/terms/"/>
+    <ds:schemaRef ds:uri="http://schemas.microsoft.com/office/infopath/2007/PartnerControls"/>
+    <ds:schemaRef ds:uri="3e48fbfb-f65b-4106-9ff9-efa7044d2c6d"/>
+    <ds:schemaRef ds:uri="http://purl.org/dc/dcmitype/"/>
+  </ds:schemaRefs>
+</ds:datastoreItem>
+</file>
+
 <file path=customXml/itemProps3.xml><?xml version="1.0" encoding="utf-8"?>
 <ds:datastoreItem xmlns:ds="http://schemas.openxmlformats.org/officeDocument/2006/customXml" ds:itemID="{EF889463-B31F-4FD8-948A-0C3F4859817C}">
   <ds:schemaRefs>

--- a/Backend Dot Net.pptx
+++ b/Backend Dot Net.pptx
@@ -5,7 +5,7 @@
     <p:sldMasterId id="2147483653" r:id="rId4"/>
   </p:sldMasterIdLst>
   <p:notesMasterIdLst>
-    <p:notesMasterId r:id="rId30"/>
+    <p:notesMasterId r:id="rId31"/>
   </p:notesMasterIdLst>
   <p:sldIdLst>
     <p:sldId id="300" r:id="rId5"/>
@@ -31,8 +31,9 @@
     <p:sldId id="322" r:id="rId25"/>
     <p:sldId id="323" r:id="rId26"/>
     <p:sldId id="324" r:id="rId27"/>
-    <p:sldId id="325" r:id="rId28"/>
-    <p:sldId id="269" r:id="rId29"/>
+    <p:sldId id="326" r:id="rId28"/>
+    <p:sldId id="325" r:id="rId29"/>
+    <p:sldId id="269" r:id="rId30"/>
   </p:sldIdLst>
   <p:sldSz cx="12192000" cy="6858000"/>
   <p:notesSz cx="6858000" cy="9144000"/>
@@ -164,7 +165,7 @@
   <pc:docChgLst>
     <pc:chgData name="Christian Lillini" userId="5e771d84-4440-4108-9bbb-3181e861c864" providerId="ADAL" clId="{7F5FB5AB-7000-465D-ACEF-1C188506C971}"/>
     <pc:docChg chg="undo custSel addSld delSld modSld sldOrd">
-      <pc:chgData name="Christian Lillini" userId="5e771d84-4440-4108-9bbb-3181e861c864" providerId="ADAL" clId="{7F5FB5AB-7000-465D-ACEF-1C188506C971}" dt="2022-04-29T13:26:25.211" v="2086" actId="20577"/>
+      <pc:chgData name="Christian Lillini" userId="5e771d84-4440-4108-9bbb-3181e861c864" providerId="ADAL" clId="{7F5FB5AB-7000-465D-ACEF-1C188506C971}" dt="2022-04-29T15:34:25.051" v="2519" actId="20577"/>
       <pc:docMkLst>
         <pc:docMk/>
       </pc:docMkLst>
@@ -711,6 +712,37 @@
           </ac:picMkLst>
         </pc:picChg>
       </pc:sldChg>
+      <pc:sldChg chg="delSp modSp add">
+        <pc:chgData name="Christian Lillini" userId="5e771d84-4440-4108-9bbb-3181e861c864" providerId="ADAL" clId="{7F5FB5AB-7000-465D-ACEF-1C188506C971}" dt="2022-04-29T15:34:25.051" v="2519" actId="20577"/>
+        <pc:sldMkLst>
+          <pc:docMk/>
+          <pc:sldMk cId="1023996276" sldId="326"/>
+        </pc:sldMkLst>
+        <pc:spChg chg="mod">
+          <ac:chgData name="Christian Lillini" userId="5e771d84-4440-4108-9bbb-3181e861c864" providerId="ADAL" clId="{7F5FB5AB-7000-465D-ACEF-1C188506C971}" dt="2022-04-29T15:34:25.051" v="2519" actId="20577"/>
+          <ac:spMkLst>
+            <pc:docMk/>
+            <pc:sldMk cId="1023996276" sldId="326"/>
+            <ac:spMk id="3" creationId="{B50642B9-DFC4-4F19-98A4-BB87E604388C}"/>
+          </ac:spMkLst>
+        </pc:spChg>
+        <pc:spChg chg="del">
+          <ac:chgData name="Christian Lillini" userId="5e771d84-4440-4108-9bbb-3181e861c864" providerId="ADAL" clId="{7F5FB5AB-7000-465D-ACEF-1C188506C971}" dt="2022-04-29T14:09:34.261" v="2417" actId="478"/>
+          <ac:spMkLst>
+            <pc:docMk/>
+            <pc:sldMk cId="1023996276" sldId="326"/>
+            <ac:spMk id="4" creationId="{CFC3EDE7-F236-4488-86E1-6B5D649E4059}"/>
+          </ac:spMkLst>
+        </pc:spChg>
+        <pc:picChg chg="del">
+          <ac:chgData name="Christian Lillini" userId="5e771d84-4440-4108-9bbb-3181e861c864" providerId="ADAL" clId="{7F5FB5AB-7000-465D-ACEF-1C188506C971}" dt="2022-04-29T14:09:36.109" v="2418" actId="478"/>
+          <ac:picMkLst>
+            <pc:docMk/>
+            <pc:sldMk cId="1023996276" sldId="326"/>
+            <ac:picMk id="5" creationId="{89689074-9756-47F0-83D1-DAAAFEA285FE}"/>
+          </ac:picMkLst>
+        </pc:picChg>
+      </pc:sldChg>
     </pc:docChg>
   </pc:docChgLst>
   <pc:docChgLst>
@@ -7492,6 +7524,147 @@
           <p:cNvPr id="2" name="Titolo 1">
             <a:extLst>
               <a:ext uri="{FF2B5EF4-FFF2-40B4-BE49-F238E27FC236}">
+                <a16:creationId xmlns:a16="http://schemas.microsoft.com/office/drawing/2014/main" id="{A981F89E-5062-4285-89F0-AF5C89A32579}"/>
+              </a:ext>
+            </a:extLst>
+          </p:cNvPr>
+          <p:cNvSpPr>
+            <a:spLocks noGrp="1"/>
+          </p:cNvSpPr>
+          <p:nvPr>
+            <p:ph type="title"/>
+          </p:nvPr>
+        </p:nvSpPr>
+        <p:spPr/>
+        <p:txBody>
+          <a:bodyPr/>
+          <a:lstStyle/>
+          <a:p>
+            <a:r>
+              <a:rPr lang="it-IT" dirty="0"/>
+              <a:t>Project work – CRUD Somministrazione</a:t>
+            </a:r>
+          </a:p>
+        </p:txBody>
+      </p:sp>
+      <p:sp>
+        <p:nvSpPr>
+          <p:cNvPr id="3" name="Segnaposto testo 2">
+            <a:extLst>
+              <a:ext uri="{FF2B5EF4-FFF2-40B4-BE49-F238E27FC236}">
+                <a16:creationId xmlns:a16="http://schemas.microsoft.com/office/drawing/2014/main" id="{B50642B9-DFC4-4F19-98A4-BB87E604388C}"/>
+              </a:ext>
+            </a:extLst>
+          </p:cNvPr>
+          <p:cNvSpPr>
+            <a:spLocks noGrp="1"/>
+          </p:cNvSpPr>
+          <p:nvPr>
+            <p:ph type="body" sz="quarter" idx="10"/>
+          </p:nvPr>
+        </p:nvSpPr>
+        <p:spPr/>
+        <p:txBody>
+          <a:bodyPr>
+            <a:normAutofit/>
+          </a:bodyPr>
+          <a:lstStyle/>
+          <a:p>
+            <a:pPr marL="457200" indent="-457200">
+              <a:buFont typeface="Arial" panose="020B0604020202020204" pitchFamily="34" charset="0"/>
+              <a:buChar char="•"/>
+            </a:pPr>
+            <a:r>
+              <a:rPr lang="it-IT" sz="3200" dirty="0"/>
+              <a:t>Aggiungere ulteriori operazioni di lettura</a:t>
+            </a:r>
+          </a:p>
+          <a:p>
+            <a:pPr marL="914400" lvl="1" indent="-457200">
+              <a:buFont typeface="Arial" panose="020B0604020202020204" pitchFamily="34" charset="0"/>
+              <a:buChar char="•"/>
+            </a:pPr>
+            <a:r>
+              <a:rPr lang="it-IT" sz="2400" dirty="0"/>
+              <a:t>Elenco di tutte le somministrazioni di un determinato vaccino</a:t>
+            </a:r>
+          </a:p>
+          <a:p>
+            <a:pPr marL="914400" lvl="1" indent="-457200">
+              <a:buFont typeface="Arial" panose="020B0604020202020204" pitchFamily="34" charset="0"/>
+              <a:buChar char="•"/>
+            </a:pPr>
+            <a:r>
+              <a:rPr lang="it-IT" sz="2400" dirty="0"/>
+              <a:t>Elenco di tutte le somministrazioni di una determinata dose</a:t>
+            </a:r>
+          </a:p>
+          <a:p>
+            <a:pPr marL="914400" lvl="1" indent="-457200">
+              <a:buFont typeface="Arial" panose="020B0604020202020204" pitchFamily="34" charset="0"/>
+              <a:buChar char="•"/>
+            </a:pPr>
+            <a:r>
+              <a:rPr lang="it-IT" sz="2400" dirty="0"/>
+              <a:t>Elenco di tutte le somministrazioni di un operatore (</a:t>
+            </a:r>
+            <a:r>
+              <a:rPr lang="it-IT" sz="2400"/>
+              <a:t>parametro username)</a:t>
+            </a:r>
+            <a:endParaRPr lang="it-IT" sz="2400" dirty="0"/>
+          </a:p>
+          <a:p>
+            <a:pPr marL="914400" lvl="1" indent="-457200">
+              <a:buFont typeface="Arial" panose="020B0604020202020204" pitchFamily="34" charset="0"/>
+              <a:buChar char="•"/>
+            </a:pPr>
+            <a:endParaRPr lang="it-IT" sz="2400" dirty="0"/>
+          </a:p>
+          <a:p>
+            <a:pPr marL="914400" lvl="1" indent="-457200">
+              <a:buFont typeface="Arial" panose="020B0604020202020204" pitchFamily="34" charset="0"/>
+              <a:buChar char="•"/>
+            </a:pPr>
+            <a:endParaRPr lang="it-IT" sz="2400" dirty="0"/>
+          </a:p>
+        </p:txBody>
+      </p:sp>
+    </p:spTree>
+    <p:extLst>
+      <p:ext uri="{BB962C8B-B14F-4D97-AF65-F5344CB8AC3E}">
+        <p14:creationId xmlns:p14="http://schemas.microsoft.com/office/powerpoint/2010/main" val="1023996276"/>
+      </p:ext>
+    </p:extLst>
+  </p:cSld>
+  <p:clrMapOvr>
+    <a:masterClrMapping/>
+  </p:clrMapOvr>
+</p:sld>
+</file>
+
+<file path=ppt/slides/slide25.xml><?xml version="1.0" encoding="utf-8"?>
+<p:sld xmlns:a="http://schemas.openxmlformats.org/drawingml/2006/main" xmlns:r="http://schemas.openxmlformats.org/officeDocument/2006/relationships" xmlns:p="http://schemas.openxmlformats.org/presentationml/2006/main">
+  <p:cSld>
+    <p:spTree>
+      <p:nvGrpSpPr>
+        <p:cNvPr id="1" name=""/>
+        <p:cNvGrpSpPr/>
+        <p:nvPr/>
+      </p:nvGrpSpPr>
+      <p:grpSpPr>
+        <a:xfrm>
+          <a:off x="0" y="0"/>
+          <a:ext cx="0" cy="0"/>
+          <a:chOff x="0" y="0"/>
+          <a:chExt cx="0" cy="0"/>
+        </a:xfrm>
+      </p:grpSpPr>
+      <p:sp>
+        <p:nvSpPr>
+          <p:cNvPr id="2" name="Titolo 1">
+            <a:extLst>
+              <a:ext uri="{FF2B5EF4-FFF2-40B4-BE49-F238E27FC236}">
                 <a16:creationId xmlns:a16="http://schemas.microsoft.com/office/drawing/2014/main" id="{A3246114-DFFC-4258-BA05-19C2725AE0B4}"/>
               </a:ext>
             </a:extLst>
@@ -7577,7 +7750,7 @@
 </p:sld>
 </file>
 
-<file path=ppt/slides/slide25.xml><?xml version="1.0" encoding="utf-8"?>
+<file path=ppt/slides/slide26.xml><?xml version="1.0" encoding="utf-8"?>
 <p:sld xmlns:a="http://schemas.openxmlformats.org/drawingml/2006/main" xmlns:r="http://schemas.openxmlformats.org/officeDocument/2006/relationships" xmlns:p="http://schemas.openxmlformats.org/presentationml/2006/main">
   <p:cSld>
     <p:bg>
@@ -9248,6 +9421,12 @@
 </file>
 
 <file path=customXml/item1.xml><?xml version="1.0" encoding="utf-8"?>
+<p:properties xmlns:p="http://schemas.microsoft.com/office/2006/metadata/properties" xmlns:xsi="http://www.w3.org/2001/XMLSchema-instance" xmlns:pc="http://schemas.microsoft.com/office/infopath/2007/PartnerControls">
+  <documentManagement/>
+</p:properties>
+</file>
+
+<file path=customXml/item2.xml><?xml version="1.0" encoding="utf-8"?>
 <ct:contentTypeSchema xmlns:ct="http://schemas.microsoft.com/office/2006/metadata/contentType" xmlns:ma="http://schemas.microsoft.com/office/2006/metadata/properties/metaAttributes" ct:_="" ma:_="" ma:contentTypeName="Documento" ma:contentTypeID="0x0101002B173DC9EA15414389D54DCB1F6E263F" ma:contentTypeVersion="13" ma:contentTypeDescription="Creare un nuovo documento." ma:contentTypeScope="" ma:versionID="3a3c98d3feed65edb87a0d9e69781dfb">
   <xsd:schema xmlns:xsd="http://www.w3.org/2001/XMLSchema" xmlns:xs="http://www.w3.org/2001/XMLSchema" xmlns:p="http://schemas.microsoft.com/office/2006/metadata/properties" xmlns:ns3="1c985870-0fc5-43c3-97aa-1212d5e68afd" xmlns:ns4="3e48fbfb-f65b-4106-9ff9-efa7044d2c6d" targetNamespace="http://schemas.microsoft.com/office/2006/metadata/properties" ma:root="true" ma:fieldsID="59f9a7e8e4a811663566fc257e796b7a" ns3:_="" ns4:_="">
     <xsd:import namespace="1c985870-0fc5-43c3-97aa-1212d5e68afd"/>
@@ -9470,12 +9649,6 @@
 </ct:contentTypeSchema>
 </file>
 
-<file path=customXml/item2.xml><?xml version="1.0" encoding="utf-8"?>
-<p:properties xmlns:p="http://schemas.microsoft.com/office/2006/metadata/properties" xmlns:xsi="http://www.w3.org/2001/XMLSchema-instance" xmlns:pc="http://schemas.microsoft.com/office/infopath/2007/PartnerControls">
-  <documentManagement/>
-</p:properties>
-</file>
-
 <file path=customXml/item3.xml><?xml version="1.0" encoding="utf-8"?>
 <?mso-contentType ?>
 <FormTemplates xmlns="http://schemas.microsoft.com/sharepoint/v3/contenttype/forms">
@@ -9486,6 +9659,23 @@
 </file>
 
 <file path=customXml/itemProps1.xml><?xml version="1.0" encoding="utf-8"?>
+<ds:datastoreItem xmlns:ds="http://schemas.openxmlformats.org/officeDocument/2006/customXml" ds:itemID="{DFAC9C30-232B-4F66-AD2F-CDECB2F8CB29}">
+  <ds:schemaRefs>
+    <ds:schemaRef ds:uri="http://schemas.microsoft.com/office/2006/documentManagement/types"/>
+    <ds:schemaRef ds:uri="http://schemas.microsoft.com/office/2006/metadata/properties"/>
+    <ds:schemaRef ds:uri="http://www.w3.org/XML/1998/namespace"/>
+    <ds:schemaRef ds:uri="http://purl.org/dc/dcmitype/"/>
+    <ds:schemaRef ds:uri="http://purl.org/dc/elements/1.1/"/>
+    <ds:schemaRef ds:uri="http://purl.org/dc/terms/"/>
+    <ds:schemaRef ds:uri="1c985870-0fc5-43c3-97aa-1212d5e68afd"/>
+    <ds:schemaRef ds:uri="http://schemas.microsoft.com/office/infopath/2007/PartnerControls"/>
+    <ds:schemaRef ds:uri="http://schemas.openxmlformats.org/package/2006/metadata/core-properties"/>
+    <ds:schemaRef ds:uri="3e48fbfb-f65b-4106-9ff9-efa7044d2c6d"/>
+  </ds:schemaRefs>
+</ds:datastoreItem>
+</file>
+
+<file path=customXml/itemProps2.xml><?xml version="1.0" encoding="utf-8"?>
 <ds:datastoreItem xmlns:ds="http://schemas.openxmlformats.org/officeDocument/2006/customXml" ds:itemID="{261F46FF-B854-4C80-9967-302782A4F131}">
   <ds:schemaRefs>
     <ds:schemaRef ds:uri="http://schemas.microsoft.com/office/2006/metadata/contentType"/>
@@ -9504,23 +9694,6 @@
 </ds:datastoreItem>
 </file>
 
-<file path=customXml/itemProps2.xml><?xml version="1.0" encoding="utf-8"?>
-<ds:datastoreItem xmlns:ds="http://schemas.openxmlformats.org/officeDocument/2006/customXml" ds:itemID="{DFAC9C30-232B-4F66-AD2F-CDECB2F8CB29}">
-  <ds:schemaRefs>
-    <ds:schemaRef ds:uri="http://www.w3.org/XML/1998/namespace"/>
-    <ds:schemaRef ds:uri="http://schemas.microsoft.com/office/2006/metadata/properties"/>
-    <ds:schemaRef ds:uri="1c985870-0fc5-43c3-97aa-1212d5e68afd"/>
-    <ds:schemaRef ds:uri="http://schemas.microsoft.com/office/2006/documentManagement/types"/>
-    <ds:schemaRef ds:uri="http://purl.org/dc/elements/1.1/"/>
-    <ds:schemaRef ds:uri="http://schemas.openxmlformats.org/package/2006/metadata/core-properties"/>
-    <ds:schemaRef ds:uri="http://purl.org/dc/terms/"/>
-    <ds:schemaRef ds:uri="http://schemas.microsoft.com/office/infopath/2007/PartnerControls"/>
-    <ds:schemaRef ds:uri="3e48fbfb-f65b-4106-9ff9-efa7044d2c6d"/>
-    <ds:schemaRef ds:uri="http://purl.org/dc/dcmitype/"/>
-  </ds:schemaRefs>
-</ds:datastoreItem>
-</file>
-
 <file path=customXml/itemProps3.xml><?xml version="1.0" encoding="utf-8"?>
 <ds:datastoreItem xmlns:ds="http://schemas.openxmlformats.org/officeDocument/2006/customXml" ds:itemID="{EF889463-B31F-4FD8-948A-0C3F4859817C}">
   <ds:schemaRefs>
